--- a/labs/lab03_R.pptx
+++ b/labs/lab03_R.pptx
@@ -29,7 +29,7 @@
     <p:sldId id="329" r:id="rId20"/>
     <p:sldId id="326" r:id="rId21"/>
     <p:sldId id="299" r:id="rId22"/>
-    <p:sldId id="264" r:id="rId23"/>
+    <p:sldId id="330" r:id="rId23"/>
     <p:sldId id="265" r:id="rId24"/>
     <p:sldId id="301" r:id="rId25"/>
     <p:sldId id="300" r:id="rId26"/>
@@ -219,7 +219,7 @@
           <a:p>
             <a:fld id="{5EE6BB87-626E-9C4B-A7F4-9EF6478BD5F6}" type="datetimeFigureOut">
               <a:rPr lang="en-US" smtClean="0"/>
-              <a:t>2/1/17</a:t>
+              <a:t>2/8/17</a:t>
             </a:fld>
             <a:endParaRPr lang="en-US"/>
           </a:p>
@@ -752,7 +752,7 @@
           <a:p>
             <a:fld id="{42B8B0BE-C8D7-EB48-AD68-71DB5002F24B}" type="datetimeFigureOut">
               <a:rPr lang="en-US" smtClean="0"/>
-              <a:t>2/1/17</a:t>
+              <a:t>2/8/17</a:t>
             </a:fld>
             <a:endParaRPr lang="en-US"/>
           </a:p>
@@ -922,7 +922,7 @@
           <a:p>
             <a:fld id="{42B8B0BE-C8D7-EB48-AD68-71DB5002F24B}" type="datetimeFigureOut">
               <a:rPr lang="en-US" smtClean="0"/>
-              <a:t>2/1/17</a:t>
+              <a:t>2/8/17</a:t>
             </a:fld>
             <a:endParaRPr lang="en-US"/>
           </a:p>
@@ -1102,7 +1102,7 @@
           <a:p>
             <a:fld id="{42B8B0BE-C8D7-EB48-AD68-71DB5002F24B}" type="datetimeFigureOut">
               <a:rPr lang="en-US" smtClean="0"/>
-              <a:t>2/1/17</a:t>
+              <a:t>2/8/17</a:t>
             </a:fld>
             <a:endParaRPr lang="en-US"/>
           </a:p>
@@ -1272,7 +1272,7 @@
           <a:p>
             <a:fld id="{42B8B0BE-C8D7-EB48-AD68-71DB5002F24B}" type="datetimeFigureOut">
               <a:rPr lang="en-US" smtClean="0"/>
-              <a:t>2/1/17</a:t>
+              <a:t>2/8/17</a:t>
             </a:fld>
             <a:endParaRPr lang="en-US"/>
           </a:p>
@@ -1518,7 +1518,7 @@
           <a:p>
             <a:fld id="{42B8B0BE-C8D7-EB48-AD68-71DB5002F24B}" type="datetimeFigureOut">
               <a:rPr lang="en-US" smtClean="0"/>
-              <a:t>2/1/17</a:t>
+              <a:t>2/8/17</a:t>
             </a:fld>
             <a:endParaRPr lang="en-US"/>
           </a:p>
@@ -1806,7 +1806,7 @@
           <a:p>
             <a:fld id="{42B8B0BE-C8D7-EB48-AD68-71DB5002F24B}" type="datetimeFigureOut">
               <a:rPr lang="en-US" smtClean="0"/>
-              <a:t>2/1/17</a:t>
+              <a:t>2/8/17</a:t>
             </a:fld>
             <a:endParaRPr lang="en-US"/>
           </a:p>
@@ -2228,7 +2228,7 @@
           <a:p>
             <a:fld id="{42B8B0BE-C8D7-EB48-AD68-71DB5002F24B}" type="datetimeFigureOut">
               <a:rPr lang="en-US" smtClean="0"/>
-              <a:t>2/1/17</a:t>
+              <a:t>2/8/17</a:t>
             </a:fld>
             <a:endParaRPr lang="en-US"/>
           </a:p>
@@ -2346,7 +2346,7 @@
           <a:p>
             <a:fld id="{42B8B0BE-C8D7-EB48-AD68-71DB5002F24B}" type="datetimeFigureOut">
               <a:rPr lang="en-US" smtClean="0"/>
-              <a:t>2/1/17</a:t>
+              <a:t>2/8/17</a:t>
             </a:fld>
             <a:endParaRPr lang="en-US"/>
           </a:p>
@@ -2441,7 +2441,7 @@
           <a:p>
             <a:fld id="{42B8B0BE-C8D7-EB48-AD68-71DB5002F24B}" type="datetimeFigureOut">
               <a:rPr lang="en-US" smtClean="0"/>
-              <a:t>2/1/17</a:t>
+              <a:t>2/8/17</a:t>
             </a:fld>
             <a:endParaRPr lang="en-US"/>
           </a:p>
@@ -2718,7 +2718,7 @@
           <a:p>
             <a:fld id="{42B8B0BE-C8D7-EB48-AD68-71DB5002F24B}" type="datetimeFigureOut">
               <a:rPr lang="en-US" smtClean="0"/>
-              <a:t>2/1/17</a:t>
+              <a:t>2/8/17</a:t>
             </a:fld>
             <a:endParaRPr lang="en-US"/>
           </a:p>
@@ -2971,7 +2971,7 @@
           <a:p>
             <a:fld id="{42B8B0BE-C8D7-EB48-AD68-71DB5002F24B}" type="datetimeFigureOut">
               <a:rPr lang="en-US" smtClean="0"/>
-              <a:t>2/1/17</a:t>
+              <a:t>2/8/17</a:t>
             </a:fld>
             <a:endParaRPr lang="en-US"/>
           </a:p>
@@ -3184,7 +3184,7 @@
           <a:p>
             <a:fld id="{42B8B0BE-C8D7-EB48-AD68-71DB5002F24B}" type="datetimeFigureOut">
               <a:rPr lang="en-US" smtClean="0"/>
-              <a:t>2/1/17</a:t>
+              <a:t>2/8/17</a:t>
             </a:fld>
             <a:endParaRPr lang="en-US"/>
           </a:p>
@@ -3609,15 +3609,7 @@
             </a:r>
             <a:r>
               <a:rPr lang="en-US" sz="2000" dirty="0" smtClean="0"/>
-              <a:t>(</a:t>
-            </a:r>
-            <a:r>
-              <a:rPr lang="en-US" sz="2000" dirty="0" smtClean="0"/>
-              <a:t>PLPTH813</a:t>
-            </a:r>
-            <a:r>
-              <a:rPr lang="en-US" sz="2000" dirty="0" smtClean="0"/>
-              <a:t>)</a:t>
+              <a:t>(PLPTH813)</a:t>
             </a:r>
             <a:endParaRPr lang="en-US" sz="2000" dirty="0"/>
           </a:p>
@@ -3656,15 +3648,7 @@
           <a:p>
             <a:r>
               <a:rPr lang="en-US" sz="2800" dirty="0" smtClean="0"/>
-              <a:t>2</a:t>
-            </a:r>
-            <a:r>
-              <a:rPr lang="en-US" sz="2800" dirty="0" smtClean="0"/>
-              <a:t>/2/</a:t>
-            </a:r>
-            <a:r>
-              <a:rPr lang="en-US" sz="2800" dirty="0" smtClean="0"/>
-              <a:t>2017</a:t>
+              <a:t>2/2/2017</a:t>
             </a:r>
             <a:endParaRPr lang="en-US" sz="2800" dirty="0"/>
           </a:p>
@@ -4281,6 +4265,13 @@
   <p:clrMapOvr>
     <a:masterClrMapping/>
   </p:clrMapOvr>
+  <p:timing>
+    <p:tnLst>
+      <p:par>
+        <p:cTn xmlns:p14="http://schemas.microsoft.com/office/powerpoint/2010/main" id="1" dur="indefinite" restart="never" nodeType="tmRoot"/>
+      </p:par>
+    </p:tnLst>
+  </p:timing>
 </p:sld>
 </file>
 
@@ -4406,161 +4397,11 @@
               <a:t>nsw</a:t>
             </a:r>
             <a:r>
-              <a:rPr lang="en-US" sz="1600" dirty="0">
-                <a:latin typeface="Courier"/>
-                <a:cs typeface="Courier"/>
-              </a:rPr>
-              <a:t>",</a:t>
-            </a:r>
-          </a:p>
-          <a:p>
-            <a:pPr marL="0" indent="0">
-              <a:buNone/>
-            </a:pPr>
-            <a:r>
-              <a:rPr lang="en-US" sz="1600" dirty="0">
-                <a:latin typeface="Courier"/>
-                <a:cs typeface="Courier"/>
-              </a:rPr>
-              <a:t>		</a:t>
-            </a:r>
-            <a:r>
               <a:rPr lang="en-US" sz="1600" dirty="0" smtClean="0">
                 <a:latin typeface="Courier"/>
                 <a:cs typeface="Courier"/>
               </a:rPr>
-              <a:t>	"</a:t>
-            </a:r>
-            <a:r>
-              <a:rPr lang="en-US" sz="1600" dirty="0" err="1">
-                <a:latin typeface="Courier"/>
-                <a:cs typeface="Courier"/>
-              </a:rPr>
-              <a:t>nsw</a:t>
-            </a:r>
-            <a:r>
-              <a:rPr lang="en-US" sz="1600" dirty="0">
-                <a:latin typeface="Courier"/>
-                <a:cs typeface="Courier"/>
-              </a:rPr>
-              <a:t>", "</a:t>
-            </a:r>
-            <a:r>
-              <a:rPr lang="en-US" sz="1600" dirty="0" err="1">
-                <a:latin typeface="Courier"/>
-                <a:cs typeface="Courier"/>
-              </a:rPr>
-              <a:t>nt</a:t>
-            </a:r>
-            <a:r>
-              <a:rPr lang="en-US" sz="1600" dirty="0">
-                <a:latin typeface="Courier"/>
-                <a:cs typeface="Courier"/>
-              </a:rPr>
-              <a:t>", "</a:t>
-            </a:r>
-            <a:r>
-              <a:rPr lang="en-US" sz="1600" dirty="0" err="1">
-                <a:latin typeface="Courier"/>
-                <a:cs typeface="Courier"/>
-              </a:rPr>
-              <a:t>wa</a:t>
-            </a:r>
-            <a:r>
-              <a:rPr lang="en-US" sz="1600" dirty="0">
-                <a:latin typeface="Courier"/>
-                <a:cs typeface="Courier"/>
-              </a:rPr>
-              <a:t>", "</a:t>
-            </a:r>
-            <a:r>
-              <a:rPr lang="en-US" sz="1600" dirty="0" err="1">
-                <a:latin typeface="Courier"/>
-                <a:cs typeface="Courier"/>
-              </a:rPr>
-              <a:t>wa</a:t>
-            </a:r>
-            <a:r>
-              <a:rPr lang="en-US" sz="1600" dirty="0">
-                <a:latin typeface="Courier"/>
-                <a:cs typeface="Courier"/>
-              </a:rPr>
-              <a:t>",</a:t>
-            </a:r>
-          </a:p>
-          <a:p>
-            <a:pPr marL="0" indent="0">
-              <a:buNone/>
-            </a:pPr>
-            <a:r>
-              <a:rPr lang="en-US" sz="1600" dirty="0">
-                <a:latin typeface="Courier"/>
-                <a:cs typeface="Courier"/>
-              </a:rPr>
-              <a:t>		</a:t>
-            </a:r>
-            <a:r>
-              <a:rPr lang="en-US" sz="1600" dirty="0" smtClean="0">
-                <a:latin typeface="Courier"/>
-                <a:cs typeface="Courier"/>
-              </a:rPr>
-              <a:t>	"</a:t>
-            </a:r>
-            <a:r>
-              <a:rPr lang="en-US" sz="1600" dirty="0" err="1">
-                <a:latin typeface="Courier"/>
-                <a:cs typeface="Courier"/>
-              </a:rPr>
-              <a:t>qld</a:t>
-            </a:r>
-            <a:r>
-              <a:rPr lang="en-US" sz="1600" dirty="0">
-                <a:latin typeface="Courier"/>
-                <a:cs typeface="Courier"/>
-              </a:rPr>
-              <a:t>", "</a:t>
-            </a:r>
-            <a:r>
-              <a:rPr lang="en-US" sz="1600" dirty="0" err="1">
-                <a:latin typeface="Courier"/>
-                <a:cs typeface="Courier"/>
-              </a:rPr>
-              <a:t>vic</a:t>
-            </a:r>
-            <a:r>
-              <a:rPr lang="en-US" sz="1600" dirty="0">
-                <a:latin typeface="Courier"/>
-                <a:cs typeface="Courier"/>
-              </a:rPr>
-              <a:t>", "</a:t>
-            </a:r>
-            <a:r>
-              <a:rPr lang="en-US" sz="1600" dirty="0" err="1">
-                <a:latin typeface="Courier"/>
-                <a:cs typeface="Courier"/>
-              </a:rPr>
-              <a:t>nsw</a:t>
-            </a:r>
-            <a:r>
-              <a:rPr lang="en-US" sz="1600" dirty="0">
-                <a:latin typeface="Courier"/>
-                <a:cs typeface="Courier"/>
-              </a:rPr>
-              <a:t>", "</a:t>
-            </a:r>
-            <a:r>
-              <a:rPr lang="en-US" sz="1600" dirty="0" err="1" smtClean="0">
-                <a:latin typeface="Courier"/>
-                <a:cs typeface="Courier"/>
-              </a:rPr>
-              <a:t>vic</a:t>
-            </a:r>
-            <a:r>
-              <a:rPr lang="en-US" sz="1600" dirty="0" smtClean="0">
-                <a:latin typeface="Courier"/>
-                <a:cs typeface="Courier"/>
-              </a:rPr>
-              <a:t>”)</a:t>
+              <a:t>")</a:t>
             </a:r>
             <a:endParaRPr lang="en-US" sz="1600" dirty="0">
               <a:latin typeface="Courier"/>
@@ -4571,20 +4412,6 @@
             <a:pPr marL="0" indent="0">
               <a:buNone/>
             </a:pPr>
-            <a:r>
-              <a:rPr lang="en-US" sz="1600" dirty="0" err="1">
-                <a:latin typeface="Courier"/>
-                <a:cs typeface="Courier"/>
-              </a:rPr>
-              <a:t>s</a:t>
-            </a:r>
-            <a:r>
-              <a:rPr lang="en-US" sz="1600" dirty="0" err="1" smtClean="0">
-                <a:latin typeface="Courier"/>
-                <a:cs typeface="Courier"/>
-              </a:rPr>
-              <a:t>tatef</a:t>
-            </a:r>
             <a:endParaRPr lang="en-US" sz="1600" dirty="0" smtClean="0">
               <a:latin typeface="Courier"/>
               <a:cs typeface="Courier"/>
@@ -4594,15 +4421,6 @@
             <a:pPr marL="0" indent="0">
               <a:buNone/>
             </a:pPr>
-            <a:endParaRPr lang="en-US" sz="1600" dirty="0" smtClean="0">
-              <a:latin typeface="Courier"/>
-              <a:cs typeface="Courier"/>
-            </a:endParaRPr>
-          </a:p>
-          <a:p>
-            <a:pPr marL="0" indent="0">
-              <a:buNone/>
-            </a:pPr>
             <a:r>
               <a:rPr lang="en-US" sz="1600" dirty="0" err="1" smtClean="0">
                 <a:latin typeface="Courier"/>
@@ -4630,11 +4448,18 @@
               <a:buNone/>
             </a:pPr>
             <a:r>
+              <a:rPr lang="en-US" sz="1600" dirty="0" err="1">
+                <a:latin typeface="Courier"/>
+                <a:cs typeface="Courier"/>
+              </a:rPr>
+              <a:t>s</a:t>
+            </a:r>
+            <a:r>
               <a:rPr lang="en-US" sz="1600" dirty="0" err="1" smtClean="0">
                 <a:latin typeface="Courier"/>
                 <a:cs typeface="Courier"/>
               </a:rPr>
-              <a:t>Statef</a:t>
+              <a:t>tatef</a:t>
             </a:r>
             <a:endParaRPr lang="en-US" sz="1600" dirty="0">
               <a:latin typeface="Courier"/>
@@ -6061,15 +5886,7 @@
                   <a:srgbClr val="17375E"/>
                 </a:solidFill>
               </a:rPr>
-              <a:t>Making </a:t>
-            </a:r>
-            <a:r>
-              <a:rPr lang="en-US" b="1" dirty="0" smtClean="0">
-                <a:solidFill>
-                  <a:srgbClr val="17375E"/>
-                </a:solidFill>
-              </a:rPr>
-              <a:t>a data frame: </a:t>
+              <a:t>Making a data frame: </a:t>
             </a:r>
             <a:r>
               <a:rPr lang="en-US" b="1" dirty="0" err="1" smtClean="0">
@@ -6131,10 +5948,6 @@
               </a:rPr>
               <a:t>)</a:t>
             </a:r>
-            <a:endParaRPr lang="en-US" sz="2000" dirty="0" smtClean="0">
-              <a:latin typeface="Courier"/>
-              <a:cs typeface="Courier"/>
-            </a:endParaRPr>
           </a:p>
           <a:p>
             <a:endParaRPr lang="en-US" b="1" dirty="0" smtClean="0">
@@ -6150,21 +5963,8 @@
                   <a:srgbClr val="17375E"/>
                 </a:solidFill>
               </a:rPr>
-              <a:t>Working with data </a:t>
-            </a:r>
-            <a:r>
-              <a:rPr lang="en-US" b="1" dirty="0" smtClean="0">
-                <a:solidFill>
-                  <a:srgbClr val="17375E"/>
-                </a:solidFill>
-              </a:rPr>
-              <a:t>frames</a:t>
-            </a:r>
-            <a:endParaRPr lang="en-US" b="1" dirty="0" smtClean="0">
-              <a:solidFill>
-                <a:srgbClr val="17375E"/>
-              </a:solidFill>
-            </a:endParaRPr>
+              <a:t>Working with data frames</a:t>
+            </a:r>
           </a:p>
         </p:txBody>
       </p:sp>
@@ -7954,6 +7754,13 @@
   <p:clrMapOvr>
     <a:masterClrMapping/>
   </p:clrMapOvr>
+  <p:timing>
+    <p:tnLst>
+      <p:par>
+        <p:cTn xmlns:p14="http://schemas.microsoft.com/office/powerpoint/2010/main" id="1" dur="indefinite" restart="never" nodeType="tmRoot"/>
+      </p:par>
+    </p:tnLst>
+  </p:timing>
 </p:sld>
 </file>
 
@@ -8854,12 +8661,8 @@
           <a:lstStyle/>
           <a:p>
             <a:r>
-              <a:rPr lang="en-US" dirty="0" err="1"/>
-              <a:t>B</a:t>
-            </a:r>
-            <a:r>
-              <a:rPr lang="en-US" dirty="0" err="1" smtClean="0"/>
-              <a:t>arplot</a:t>
+              <a:rPr lang="en-US" dirty="0" smtClean="0"/>
+              <a:t>Boxplot</a:t>
             </a:r>
             <a:endParaRPr lang="en-US" dirty="0"/>
           </a:p>
@@ -8896,8 +8699,8 @@
         </p:nvSpPr>
         <p:spPr>
           <a:xfrm>
-            <a:off x="126999" y="1996846"/>
-            <a:ext cx="8957734" cy="1077218"/>
+            <a:off x="253999" y="1847392"/>
+            <a:ext cx="7195201" cy="1569660"/>
           </a:xfrm>
           <a:prstGeom prst="rect">
             <a:avLst/>
@@ -8911,228 +8714,121 @@
           <a:lstStyle/>
           <a:p>
             <a:r>
-              <a:rPr lang="fi-FI" sz="1600" dirty="0">
-                <a:latin typeface="Courier"/>
-                <a:cs typeface="Courier"/>
-              </a:rPr>
-              <a:t>barplot(pop/</a:t>
-            </a:r>
-            <a:r>
-              <a:rPr lang="fi-FI" sz="1600" dirty="0" smtClean="0">
-                <a:latin typeface="Courier"/>
-                <a:cs typeface="Courier"/>
-              </a:rPr>
-              <a:t>1000, </a:t>
-            </a:r>
-            <a:r>
-              <a:rPr lang="fi-FI" sz="1600" dirty="0" err="1" smtClean="0">
-                <a:latin typeface="Courier"/>
-                <a:cs typeface="Courier"/>
-              </a:rPr>
-              <a:t>ylab</a:t>
-            </a:r>
-            <a:r>
-              <a:rPr lang="fi-FI" sz="1600" dirty="0" err="1">
-                <a:latin typeface="Courier"/>
-                <a:cs typeface="Courier"/>
-              </a:rPr>
-              <a:t>="Pop</a:t>
-            </a:r>
-            <a:r>
-              <a:rPr lang="fi-FI" sz="1600" dirty="0">
-                <a:latin typeface="Courier"/>
-                <a:cs typeface="Courier"/>
-              </a:rPr>
-              <a:t> (x1000,000</a:t>
-            </a:r>
-            <a:r>
-              <a:rPr lang="fi-FI" sz="1600" dirty="0" smtClean="0">
-                <a:latin typeface="Courier"/>
-                <a:cs typeface="Courier"/>
-              </a:rPr>
-              <a:t>)"</a:t>
-            </a:r>
-            <a:r>
-              <a:rPr lang="fi-FI" sz="1600" dirty="0">
-                <a:latin typeface="Courier"/>
-                <a:cs typeface="Courier"/>
-              </a:rPr>
-              <a:t>, </a:t>
-            </a:r>
-            <a:r>
-              <a:rPr lang="fi-FI" sz="1600" dirty="0" err="1" smtClean="0">
-                <a:latin typeface="Courier"/>
-                <a:cs typeface="Courier"/>
-              </a:rPr>
-              <a:t>main</a:t>
-            </a:r>
-            <a:r>
-              <a:rPr lang="fi-FI" sz="1600" dirty="0" err="1">
-                <a:latin typeface="Courier"/>
-                <a:cs typeface="Courier"/>
-              </a:rPr>
-              <a:t>="US</a:t>
-            </a:r>
-            <a:r>
-              <a:rPr lang="fi-FI" sz="1600" dirty="0">
-                <a:latin typeface="Courier"/>
-                <a:cs typeface="Courier"/>
-              </a:rPr>
-              <a:t> </a:t>
-            </a:r>
-            <a:r>
-              <a:rPr lang="fi-FI" sz="1600" dirty="0" smtClean="0">
-                <a:latin typeface="Courier"/>
-                <a:cs typeface="Courier"/>
-              </a:rPr>
-              <a:t>1977")</a:t>
-            </a:r>
-          </a:p>
-          <a:p>
-            <a:endParaRPr lang="fi-FI" sz="1600" dirty="0" smtClean="0">
-              <a:latin typeface="Courier"/>
-              <a:cs typeface="Courier"/>
+              <a:rPr lang="en-US" sz="2400" dirty="0" smtClean="0">
+                <a:latin typeface="Courier New"/>
+                <a:cs typeface="Courier New"/>
+              </a:rPr>
+              <a:t>plot</a:t>
+            </a:r>
+            <a:r>
+              <a:rPr lang="en-US" sz="2400" dirty="0">
+                <a:latin typeface="Courier New"/>
+                <a:cs typeface="Courier New"/>
+              </a:rPr>
+              <a:t>(extra ~ group, data = </a:t>
+            </a:r>
+            <a:r>
+              <a:rPr lang="en-US" sz="2400" dirty="0" smtClean="0">
+                <a:latin typeface="Courier New"/>
+                <a:cs typeface="Courier New"/>
+              </a:rPr>
+              <a:t>sleep)</a:t>
+            </a:r>
+          </a:p>
+          <a:p>
+            <a:endParaRPr lang="en-US" sz="2400" dirty="0" smtClean="0">
+              <a:latin typeface="Courier New"/>
+              <a:cs typeface="Courier New"/>
             </a:endParaRPr>
           </a:p>
           <a:p>
             <a:r>
-              <a:rPr lang="fi-FI" sz="1600" dirty="0">
-                <a:latin typeface="Courier"/>
-                <a:cs typeface="Courier"/>
-              </a:rPr>
-              <a:t>barplot(pop/1000, </a:t>
-            </a:r>
-            <a:r>
-              <a:rPr lang="fi-FI" sz="1600" dirty="0" err="1">
-                <a:latin typeface="Courier"/>
-                <a:cs typeface="Courier"/>
-              </a:rPr>
-              <a:t>ylab="Pop</a:t>
-            </a:r>
-            <a:r>
-              <a:rPr lang="fi-FI" sz="1600" dirty="0">
-                <a:latin typeface="Courier"/>
-                <a:cs typeface="Courier"/>
-              </a:rPr>
-              <a:t> (x1000,000</a:t>
-            </a:r>
-            <a:r>
-              <a:rPr lang="fi-FI" sz="1600" dirty="0" smtClean="0">
-                <a:latin typeface="Courier"/>
-                <a:cs typeface="Courier"/>
-              </a:rPr>
-              <a:t>)"</a:t>
-            </a:r>
-            <a:r>
-              <a:rPr lang="fi-FI" sz="1600" dirty="0">
-                <a:latin typeface="Courier"/>
-                <a:cs typeface="Courier"/>
-              </a:rPr>
-              <a:t>, </a:t>
-            </a:r>
-            <a:r>
-              <a:rPr lang="fi-FI" sz="1600" dirty="0" err="1">
-                <a:latin typeface="Courier"/>
-                <a:cs typeface="Courier"/>
-              </a:rPr>
-              <a:t>main="US</a:t>
-            </a:r>
-            <a:r>
-              <a:rPr lang="fi-FI" sz="1600" dirty="0">
-                <a:latin typeface="Courier"/>
-                <a:cs typeface="Courier"/>
-              </a:rPr>
-              <a:t> </a:t>
-            </a:r>
-            <a:r>
-              <a:rPr lang="fi-FI" sz="1600" dirty="0" smtClean="0">
-                <a:latin typeface="Courier"/>
-                <a:cs typeface="Courier"/>
-              </a:rPr>
-              <a:t>1977</a:t>
-            </a:r>
-            <a:r>
-              <a:rPr lang="en-US" sz="1600" dirty="0">
-                <a:latin typeface="Courier"/>
-                <a:cs typeface="Courier"/>
-              </a:rPr>
-              <a:t>"</a:t>
-            </a:r>
-            <a:r>
-              <a:rPr lang="fi-FI" sz="1600" dirty="0" smtClean="0">
-                <a:latin typeface="Courier"/>
-                <a:cs typeface="Courier"/>
-              </a:rPr>
-              <a:t>, </a:t>
-            </a:r>
-            <a:r>
-              <a:rPr lang="fi-FI" sz="1600" dirty="0" smtClean="0">
-                <a:solidFill>
-                  <a:srgbClr val="FF0000"/>
-                </a:solidFill>
-                <a:latin typeface="Courier"/>
-                <a:cs typeface="Courier"/>
-              </a:rPr>
-              <a:t>las</a:t>
-            </a:r>
-            <a:r>
-              <a:rPr lang="fi-FI" sz="1600" dirty="0">
-                <a:solidFill>
-                  <a:srgbClr val="FF0000"/>
-                </a:solidFill>
-                <a:latin typeface="Courier"/>
-                <a:cs typeface="Courier"/>
-              </a:rPr>
-              <a:t>=2, </a:t>
-            </a:r>
-            <a:r>
-              <a:rPr lang="fi-FI" sz="1600" dirty="0" smtClean="0">
-                <a:solidFill>
-                  <a:srgbClr val="FF0000"/>
-                </a:solidFill>
-                <a:latin typeface="Courier"/>
-                <a:cs typeface="Courier"/>
-              </a:rPr>
-              <a:t> cex.names</a:t>
-            </a:r>
-            <a:r>
-              <a:rPr lang="fi-FI" sz="1600" dirty="0">
-                <a:solidFill>
-                  <a:srgbClr val="FF0000"/>
-                </a:solidFill>
-                <a:latin typeface="Courier"/>
-                <a:cs typeface="Courier"/>
-              </a:rPr>
-              <a:t>=</a:t>
-            </a:r>
-            <a:r>
-              <a:rPr lang="fi-FI" sz="1600" dirty="0" smtClean="0">
-                <a:solidFill>
-                  <a:srgbClr val="FF0000"/>
-                </a:solidFill>
-                <a:latin typeface="Courier"/>
-                <a:cs typeface="Courier"/>
-              </a:rPr>
-              <a:t>0.65</a:t>
-            </a:r>
-            <a:r>
-              <a:rPr lang="fi-FI" sz="1600" dirty="0">
-                <a:latin typeface="Courier"/>
-                <a:cs typeface="Courier"/>
-              </a:rPr>
-              <a:t>)</a:t>
-            </a:r>
-            <a:endParaRPr lang="en-US" sz="1600" dirty="0">
-              <a:latin typeface="Courier"/>
-              <a:cs typeface="Courier"/>
+              <a:rPr lang="en-US" sz="2400" dirty="0" smtClean="0">
+                <a:latin typeface="Courier New"/>
+                <a:cs typeface="Courier New"/>
+              </a:rPr>
+              <a:t>boxplot</a:t>
+            </a:r>
+            <a:r>
+              <a:rPr lang="en-US" sz="2400" dirty="0">
+                <a:latin typeface="Courier New"/>
+                <a:cs typeface="Courier New"/>
+              </a:rPr>
+              <a:t>(extra ~ group, data = sleep)</a:t>
+            </a:r>
+          </a:p>
+          <a:p>
+            <a:endParaRPr lang="en-US" sz="2400" dirty="0" smtClean="0">
+              <a:latin typeface="Courier New"/>
+              <a:cs typeface="Courier New"/>
             </a:endParaRPr>
+          </a:p>
+        </p:txBody>
+      </p:sp>
+      <p:pic>
+        <p:nvPicPr>
+          <p:cNvPr id="5" name="Picture 4" descr="Screenshot 2017-02-08 15.46.16.png"/>
+          <p:cNvPicPr>
+            <a:picLocks noChangeAspect="1"/>
+          </p:cNvPicPr>
+          <p:nvPr/>
+        </p:nvPicPr>
+        <p:blipFill>
+          <a:blip r:embed="rId2">
+            <a:extLst>
+              <a:ext uri="{28A0092B-C50C-407E-A947-70E740481C1C}">
+                <a14:useLocalDpi xmlns:a14="http://schemas.microsoft.com/office/drawing/2010/main" val="0"/>
+              </a:ext>
+            </a:extLst>
+          </a:blip>
+          <a:stretch>
+            <a:fillRect/>
+          </a:stretch>
+        </p:blipFill>
+        <p:spPr>
+          <a:xfrm>
+            <a:off x="7449201" y="1500592"/>
+            <a:ext cx="1442017" cy="4762624"/>
+          </a:xfrm>
+          <a:prstGeom prst="rect">
+            <a:avLst/>
+          </a:prstGeom>
+        </p:spPr>
+      </p:pic>
+      <p:sp>
+        <p:nvSpPr>
+          <p:cNvPr id="6" name="TextBox 5"/>
+          <p:cNvSpPr txBox="1"/>
+          <p:nvPr/>
+        </p:nvSpPr>
+        <p:spPr>
+          <a:xfrm>
+            <a:off x="7563914" y="922226"/>
+            <a:ext cx="1212592" cy="369332"/>
+          </a:xfrm>
+          <a:prstGeom prst="rect">
+            <a:avLst/>
+          </a:prstGeom>
+          <a:noFill/>
+        </p:spPr>
+        <p:txBody>
+          <a:bodyPr wrap="none" rtlCol="0">
+            <a:spAutoFit/>
+          </a:bodyPr>
+          <a:lstStyle/>
+          <a:p>
+            <a:r>
+              <a:rPr lang="en-US" dirty="0" smtClean="0"/>
+              <a:t>data: sleep</a:t>
+            </a:r>
+            <a:endParaRPr lang="en-US" dirty="0"/>
           </a:p>
         </p:txBody>
       </p:sp>
     </p:spTree>
     <p:extLst>
       <p:ext uri="{BB962C8B-B14F-4D97-AF65-F5344CB8AC3E}">
-        <p14:creationId xmlns:p14="http://schemas.microsoft.com/office/powerpoint/2010/main" val="703336553"/>
+        <p14:creationId xmlns:p14="http://schemas.microsoft.com/office/powerpoint/2010/main" val="1187294146"/>
       </p:ext>
     </p:extLst>
   </p:cSld>
@@ -9201,8 +8897,8 @@
         </p:nvSpPr>
         <p:spPr>
           <a:xfrm>
-            <a:off x="297648" y="2533565"/>
-            <a:ext cx="8582189" cy="420818"/>
+            <a:off x="457200" y="1720595"/>
+            <a:ext cx="8582189" cy="1238505"/>
           </a:xfrm>
         </p:spPr>
         <p:txBody>
@@ -9210,6 +8906,48 @@
             <a:normAutofit/>
           </a:bodyPr>
           <a:lstStyle/>
+          <a:p>
+            <a:pPr marL="0" indent="0">
+              <a:buNone/>
+            </a:pPr>
+            <a:r>
+              <a:rPr lang="en-US" sz="1600" dirty="0" err="1">
+                <a:latin typeface="Courier"/>
+                <a:cs typeface="Courier"/>
+              </a:rPr>
+              <a:t>hist</a:t>
+            </a:r>
+            <a:r>
+              <a:rPr lang="en-US" sz="1600" dirty="0">
+                <a:latin typeface="Courier"/>
+                <a:cs typeface="Courier"/>
+              </a:rPr>
+              <a:t>(pop, </a:t>
+            </a:r>
+            <a:r>
+              <a:rPr lang="en-US" sz="1600" dirty="0" smtClean="0">
+                <a:latin typeface="Courier"/>
+                <a:cs typeface="Courier"/>
+              </a:rPr>
+              <a:t>main</a:t>
+            </a:r>
+            <a:r>
+              <a:rPr lang="en-US" sz="1600" dirty="0">
+                <a:latin typeface="Courier"/>
+                <a:cs typeface="Courier"/>
+              </a:rPr>
+              <a:t>="US States 1977 Population")</a:t>
+            </a:r>
+          </a:p>
+          <a:p>
+            <a:pPr marL="0" indent="0">
+              <a:buNone/>
+            </a:pPr>
+            <a:endParaRPr lang="en-US" sz="1600" dirty="0" smtClean="0">
+              <a:latin typeface="Courier"/>
+              <a:cs typeface="Courier"/>
+            </a:endParaRPr>
+          </a:p>
           <a:p>
             <a:pPr marL="0" indent="0">
               <a:buNone/>
@@ -11154,15 +10892,7 @@
             </a:r>
             <a:r>
               <a:rPr lang="en-US" sz="2800" dirty="0" smtClean="0"/>
-              <a:t> ~</a:t>
-            </a:r>
-            <a:r>
-              <a:rPr lang="en-US" sz="2800" dirty="0" smtClean="0"/>
-              <a:t>/BA17</a:t>
-            </a:r>
-            <a:r>
-              <a:rPr lang="en-US" sz="2800" dirty="0" smtClean="0"/>
-              <a:t>/labs/lab03R</a:t>
+              <a:t> ~/BA17/labs/lab03R</a:t>
             </a:r>
             <a:endParaRPr lang="en-US" sz="2800" dirty="0"/>
           </a:p>
@@ -11341,17 +11071,7 @@
                   </a:schemeClr>
                 </a:solidFill>
               </a:rPr>
-              <a:t># </a:t>
-            </a:r>
-            <a:r>
-              <a:rPr lang="en-US" b="1" dirty="0" smtClean="0">
-                <a:solidFill>
-                  <a:schemeClr val="tx2">
-                    <a:lumMod val="75000"/>
-                  </a:schemeClr>
-                </a:solidFill>
-              </a:rPr>
-              <a:t>comments </a:t>
+              <a:t># comments </a:t>
             </a:r>
             <a:r>
               <a:rPr lang="en-US" b="1" dirty="0">
@@ -11596,11 +11316,7 @@
             </a:r>
             <a:r>
               <a:rPr lang="en-US" sz="2000" dirty="0" smtClean="0"/>
-              <a:t>/2/</a:t>
-            </a:r>
-            <a:r>
-              <a:rPr lang="en-US" sz="2000" dirty="0" smtClean="0"/>
-              <a:t>2017</a:t>
+              <a:t>/2/2017</a:t>
             </a:r>
             <a:endParaRPr lang="en-US" sz="2000" dirty="0"/>
           </a:p>
@@ -11661,15 +11377,7 @@
             </a:r>
             <a:r>
               <a:rPr lang="en-US" sz="2000" dirty="0" smtClean="0"/>
-              <a:t>~</a:t>
-            </a:r>
-            <a:r>
-              <a:rPr lang="en-US" sz="2000" dirty="0" smtClean="0"/>
-              <a:t>/BA17/labs</a:t>
-            </a:r>
-            <a:r>
-              <a:rPr lang="en-US" sz="2000" dirty="0" smtClean="0"/>
-              <a:t>/lab03R</a:t>
+              <a:t>~/BA17/labs/lab03R</a:t>
             </a:r>
             <a:r>
               <a:rPr lang="en-US" sz="2000" dirty="0"/>
